--- a/present/ตัวอย่างไฟล์นำเสนอ.pptx
+++ b/present/ตัวอย่างไฟล์นำเสนอ.pptx
@@ -7,7 +7,6 @@
   <p:sldIdLst>
     <p:sldId id="256" r:id="rId2"/>
     <p:sldId id="257" r:id="rId3"/>
-    <p:sldId id="258" r:id="rId4"/>
   </p:sldIdLst>
   <p:sldSz cx="12192000" cy="6858000"/>
   <p:notesSz cx="6858000" cy="9144000"/>
@@ -272,7 +271,7 @@
           <a:p>
             <a:fld id="{71FDB983-57D4-4524-928A-6E3CAB900B43}" type="datetimeFigureOut">
               <a:rPr lang="en-US" smtClean="0"/>
-              <a:t>10/8/2024</a:t>
+              <a:t>10/14/2024</a:t>
             </a:fld>
             <a:endParaRPr lang="en-US"/>
           </a:p>
@@ -470,7 +469,7 @@
           <a:p>
             <a:fld id="{71FDB983-57D4-4524-928A-6E3CAB900B43}" type="datetimeFigureOut">
               <a:rPr lang="en-US" smtClean="0"/>
-              <a:t>10/8/2024</a:t>
+              <a:t>10/14/2024</a:t>
             </a:fld>
             <a:endParaRPr lang="en-US"/>
           </a:p>
@@ -678,7 +677,7 @@
           <a:p>
             <a:fld id="{71FDB983-57D4-4524-928A-6E3CAB900B43}" type="datetimeFigureOut">
               <a:rPr lang="en-US" smtClean="0"/>
-              <a:t>10/8/2024</a:t>
+              <a:t>10/14/2024</a:t>
             </a:fld>
             <a:endParaRPr lang="en-US"/>
           </a:p>
@@ -876,7 +875,7 @@
           <a:p>
             <a:fld id="{71FDB983-57D4-4524-928A-6E3CAB900B43}" type="datetimeFigureOut">
               <a:rPr lang="en-US" smtClean="0"/>
-              <a:t>10/8/2024</a:t>
+              <a:t>10/14/2024</a:t>
             </a:fld>
             <a:endParaRPr lang="en-US"/>
           </a:p>
@@ -1151,7 +1150,7 @@
           <a:p>
             <a:fld id="{71FDB983-57D4-4524-928A-6E3CAB900B43}" type="datetimeFigureOut">
               <a:rPr lang="en-US" smtClean="0"/>
-              <a:t>10/8/2024</a:t>
+              <a:t>10/14/2024</a:t>
             </a:fld>
             <a:endParaRPr lang="en-US"/>
           </a:p>
@@ -1416,7 +1415,7 @@
           <a:p>
             <a:fld id="{71FDB983-57D4-4524-928A-6E3CAB900B43}" type="datetimeFigureOut">
               <a:rPr lang="en-US" smtClean="0"/>
-              <a:t>10/8/2024</a:t>
+              <a:t>10/14/2024</a:t>
             </a:fld>
             <a:endParaRPr lang="en-US"/>
           </a:p>
@@ -1828,7 +1827,7 @@
           <a:p>
             <a:fld id="{71FDB983-57D4-4524-928A-6E3CAB900B43}" type="datetimeFigureOut">
               <a:rPr lang="en-US" smtClean="0"/>
-              <a:t>10/8/2024</a:t>
+              <a:t>10/14/2024</a:t>
             </a:fld>
             <a:endParaRPr lang="en-US"/>
           </a:p>
@@ -1969,7 +1968,7 @@
           <a:p>
             <a:fld id="{71FDB983-57D4-4524-928A-6E3CAB900B43}" type="datetimeFigureOut">
               <a:rPr lang="en-US" smtClean="0"/>
-              <a:t>10/8/2024</a:t>
+              <a:t>10/14/2024</a:t>
             </a:fld>
             <a:endParaRPr lang="en-US"/>
           </a:p>
@@ -2082,7 +2081,7 @@
           <a:p>
             <a:fld id="{71FDB983-57D4-4524-928A-6E3CAB900B43}" type="datetimeFigureOut">
               <a:rPr lang="en-US" smtClean="0"/>
-              <a:t>10/8/2024</a:t>
+              <a:t>10/14/2024</a:t>
             </a:fld>
             <a:endParaRPr lang="en-US"/>
           </a:p>
@@ -2393,7 +2392,7 @@
           <a:p>
             <a:fld id="{71FDB983-57D4-4524-928A-6E3CAB900B43}" type="datetimeFigureOut">
               <a:rPr lang="en-US" smtClean="0"/>
-              <a:t>10/8/2024</a:t>
+              <a:t>10/14/2024</a:t>
             </a:fld>
             <a:endParaRPr lang="en-US"/>
           </a:p>
@@ -2681,7 +2680,7 @@
           <a:p>
             <a:fld id="{71FDB983-57D4-4524-928A-6E3CAB900B43}" type="datetimeFigureOut">
               <a:rPr lang="en-US" smtClean="0"/>
-              <a:t>10/8/2024</a:t>
+              <a:t>10/14/2024</a:t>
             </a:fld>
             <a:endParaRPr lang="en-US"/>
           </a:p>
@@ -2922,7 +2921,7 @@
           <a:p>
             <a:fld id="{71FDB983-57D4-4524-928A-6E3CAB900B43}" type="datetimeFigureOut">
               <a:rPr lang="en-US" smtClean="0"/>
-              <a:t>10/8/2024</a:t>
+              <a:t>10/14/2024</a:t>
             </a:fld>
             <a:endParaRPr lang="en-US"/>
           </a:p>
@@ -3362,12 +3361,9 @@
           <a:p>
             <a:r>
               <a:rPr lang="th-TH" dirty="0"/>
-              <a:t>ชื่อโปรเจค/</a:t>
-            </a:r>
-            <a:r>
-              <a:rPr lang="en-US" dirty="0"/>
-              <a:t>Entity</a:t>
-            </a:r>
+              <a:t>ชื่อรายการเดินทาง</a:t>
+            </a:r>
+            <a:endParaRPr lang="en-US" dirty="0"/>
           </a:p>
         </p:txBody>
       </p:sp>
@@ -3394,7 +3390,25 @@
           <a:p>
             <a:r>
               <a:rPr lang="th-TH" dirty="0"/>
-              <a:t>รหัสนิสิต ชื่อ สกุล</a:t>
+              <a:t>รหัสนิสิต </a:t>
+            </a:r>
+            <a:r>
+              <a:rPr lang="th-TH" b="0" i="0" dirty="0">
+                <a:effectLst/>
+                <a:latin typeface="-apple-system"/>
+              </a:rPr>
+              <a:t>65315598</a:t>
+            </a:r>
+            <a:r>
+              <a:rPr lang="th-TH" dirty="0"/>
+              <a:t> ชื่อ</a:t>
+            </a:r>
+            <a:r>
+              <a:rPr lang="th-TH" b="0" i="0" dirty="0">
+                <a:effectLst/>
+                <a:latin typeface="-apple-system"/>
+              </a:rPr>
+              <a:t>อัจฉรา สังธูป</a:t>
             </a:r>
             <a:endParaRPr lang="en-US" dirty="0"/>
           </a:p>
@@ -3475,7 +3489,7 @@
             <p:ph idx="1"/>
             <p:extLst>
               <p:ext uri="{D42A27DB-BD31-4B8C-83A1-F6EECF244321}">
-                <p14:modId xmlns:p14="http://schemas.microsoft.com/office/powerpoint/2010/main" val="1089704681"/>
+                <p14:modId xmlns:p14="http://schemas.microsoft.com/office/powerpoint/2010/main" val="1859354723"/>
               </p:ext>
             </p:extLst>
           </p:nvPr>
@@ -3706,9 +3720,10 @@
                     <a:lstStyle/>
                     <a:p>
                       <a:r>
-                        <a:rPr lang="en-US" dirty="0"/>
-                        <a:t>CPU</a:t>
+                        <a:rPr lang="th-TH" dirty="0"/>
+                        <a:t>ชื่อสถานที่</a:t>
                       </a:r>
+                      <a:endParaRPr lang="en-US" dirty="0"/>
                     </a:p>
                   </a:txBody>
                   <a:tcPr/>
@@ -3745,12 +3760,12 @@
                     <a:lstStyle/>
                     <a:p>
                       <a:r>
-                        <a:rPr lang="en-US" dirty="0"/>
-                        <a:t>Intel i9 </a:t>
+                        <a:rPr lang="th-TH" dirty="0" err="1"/>
+                        <a:t>ภูสอย</a:t>
                       </a:r>
                       <a:r>
-                        <a:rPr lang="en-US" dirty="0" err="1"/>
-                        <a:t>GenXX</a:t>
+                        <a:rPr lang="th-TH" dirty="0"/>
+                        <a:t>สอยดาว</a:t>
                       </a:r>
                       <a:endParaRPr lang="en-US" dirty="0"/>
                     </a:p>
@@ -3783,9 +3798,83 @@
                     <a:lstStyle/>
                     <a:p>
                       <a:r>
+                        <a:rPr lang="th-TH" dirty="0"/>
+                        <a:t>วันที่ไป</a:t>
+                      </a:r>
+                      <a:endParaRPr lang="en-US" dirty="0"/>
+                    </a:p>
+                  </a:txBody>
+                  <a:tcPr/>
+                </a:tc>
+                <a:tc>
+                  <a:txBody>
+                    <a:bodyPr/>
+                    <a:lstStyle/>
+                    <a:p>
+                      <a:r>
                         <a:rPr lang="en-US" dirty="0"/>
-                        <a:t>RAM</a:t>
+                        <a:t>DATE</a:t>
                       </a:r>
+                    </a:p>
+                  </a:txBody>
+                  <a:tcPr/>
+                </a:tc>
+                <a:tc>
+                  <a:txBody>
+                    <a:bodyPr/>
+                    <a:lstStyle/>
+                    <a:p>
+                      <a:r>
+                        <a:rPr lang="en-US" dirty="0"/>
+                        <a:t>-</a:t>
+                      </a:r>
+                    </a:p>
+                  </a:txBody>
+                  <a:tcPr/>
+                </a:tc>
+                <a:tc>
+                  <a:txBody>
+                    <a:bodyPr/>
+                    <a:lstStyle/>
+                    <a:p>
+                      <a:r>
+                        <a:rPr lang="en-US" dirty="0"/>
+                        <a:t>2024-07-11</a:t>
+                      </a:r>
+                    </a:p>
+                  </a:txBody>
+                  <a:tcPr/>
+                </a:tc>
+                <a:extLst>
+                  <a:ext uri="{0D108BD9-81ED-4DB2-BD59-A6C34878D82A}">
+                    <a16:rowId xmlns:a16="http://schemas.microsoft.com/office/drawing/2014/main" val="3783687646"/>
+                  </a:ext>
+                </a:extLst>
+              </a:tr>
+              <a:tr h="370840">
+                <a:tc>
+                  <a:txBody>
+                    <a:bodyPr/>
+                    <a:lstStyle/>
+                    <a:p>
+                      <a:r>
+                        <a:rPr lang="en-US" dirty="0"/>
+                        <a:t>4</a:t>
+                      </a:r>
+                    </a:p>
+                  </a:txBody>
+                  <a:tcPr/>
+                </a:tc>
+                <a:tc>
+                  <a:txBody>
+                    <a:bodyPr/>
+                    <a:lstStyle/>
+                    <a:p>
+                      <a:r>
+                        <a:rPr lang="th-TH" dirty="0"/>
+                        <a:t>กิจกรรม</a:t>
+                      </a:r>
+                      <a:endParaRPr lang="en-US" dirty="0"/>
                     </a:p>
                   </a:txBody>
                   <a:tcPr/>
@@ -3822,93 +3911,8 @@
                     <a:lstStyle/>
                     <a:p>
                       <a:r>
-                        <a:rPr lang="en-US" dirty="0" err="1"/>
-                        <a:t>Corrair</a:t>
-                      </a:r>
-                      <a:r>
-                        <a:rPr lang="en-US" dirty="0"/>
-                        <a:t> </a:t>
-                      </a:r>
-                      <a:r>
-                        <a:rPr lang="en-US" dirty="0" err="1"/>
-                        <a:t>ModelX</a:t>
-                      </a:r>
-                      <a:endParaRPr lang="en-US" dirty="0"/>
-                    </a:p>
-                  </a:txBody>
-                  <a:tcPr/>
-                </a:tc>
-                <a:extLst>
-                  <a:ext uri="{0D108BD9-81ED-4DB2-BD59-A6C34878D82A}">
-                    <a16:rowId xmlns:a16="http://schemas.microsoft.com/office/drawing/2014/main" val="3783687646"/>
-                  </a:ext>
-                </a:extLst>
-              </a:tr>
-              <a:tr h="370840">
-                <a:tc>
-                  <a:txBody>
-                    <a:bodyPr/>
-                    <a:lstStyle/>
-                    <a:p>
-                      <a:r>
-                        <a:rPr lang="en-US" dirty="0"/>
-                        <a:t>4</a:t>
-                      </a:r>
-                    </a:p>
-                  </a:txBody>
-                  <a:tcPr/>
-                </a:tc>
-                <a:tc>
-                  <a:txBody>
-                    <a:bodyPr/>
-                    <a:lstStyle/>
-                    <a:p>
-                      <a:r>
-                        <a:rPr lang="en-US" dirty="0"/>
-                        <a:t>HDD</a:t>
-                      </a:r>
-                    </a:p>
-                  </a:txBody>
-                  <a:tcPr/>
-                </a:tc>
-                <a:tc>
-                  <a:txBody>
-                    <a:bodyPr/>
-                    <a:lstStyle/>
-                    <a:p>
-                      <a:r>
-                        <a:rPr lang="en-US" dirty="0"/>
-                        <a:t>String</a:t>
-                      </a:r>
-                    </a:p>
-                  </a:txBody>
-                  <a:tcPr/>
-                </a:tc>
-                <a:tc>
-                  <a:txBody>
-                    <a:bodyPr/>
-                    <a:lstStyle/>
-                    <a:p>
-                      <a:r>
-                        <a:rPr lang="en-US" dirty="0"/>
-                        <a:t>-</a:t>
-                      </a:r>
-                    </a:p>
-                  </a:txBody>
-                  <a:tcPr/>
-                </a:tc>
-                <a:tc>
-                  <a:txBody>
-                    <a:bodyPr/>
-                    <a:lstStyle/>
-                    <a:p>
-                      <a:r>
-                        <a:rPr lang="en-US" dirty="0"/>
-                        <a:t>WD Black </a:t>
-                      </a:r>
-                      <a:r>
-                        <a:rPr lang="en-US" dirty="0" err="1"/>
-                        <a:t>ModelX</a:t>
+                        <a:rPr lang="th-TH" dirty="0"/>
+                        <a:t>เดินป่าขึ้นไปยังจุดสูงสุด</a:t>
                       </a:r>
                       <a:endParaRPr lang="en-US" dirty="0"/>
                     </a:p>
@@ -3939,7 +3943,7 @@
         </p:nvSpPr>
         <p:spPr>
           <a:xfrm>
-            <a:off x="949036" y="1690688"/>
+            <a:off x="789709" y="1690688"/>
             <a:ext cx="3740728" cy="369332"/>
           </a:xfrm>
           <a:prstGeom prst="rect">
@@ -3959,8 +3963,13 @@
             </a:r>
             <a:r>
               <a:rPr lang="en-US" dirty="0"/>
-              <a:t>: Computer</a:t>
-            </a:r>
+              <a:t>: </a:t>
+            </a:r>
+            <a:r>
+              <a:rPr lang="th-TH" dirty="0"/>
+              <a:t>รายการเดินทาง</a:t>
+            </a:r>
+            <a:endParaRPr lang="en-US" dirty="0"/>
           </a:p>
         </p:txBody>
       </p:sp>
@@ -3968,149 +3977,6 @@
     <p:extLst>
       <p:ext uri="{BB962C8B-B14F-4D97-AF65-F5344CB8AC3E}">
         <p14:creationId xmlns:p14="http://schemas.microsoft.com/office/powerpoint/2010/main" val="1466535319"/>
-      </p:ext>
-    </p:extLst>
-  </p:cSld>
-  <p:clrMapOvr>
-    <a:masterClrMapping/>
-  </p:clrMapOvr>
-</p:sld>
-</file>
-
-<file path=ppt/slides/slide3.xml><?xml version="1.0" encoding="utf-8"?>
-<p:sld xmlns:a="http://schemas.openxmlformats.org/drawingml/2006/main" xmlns:r="http://schemas.openxmlformats.org/officeDocument/2006/relationships" xmlns:p="http://schemas.openxmlformats.org/presentationml/2006/main">
-  <p:cSld>
-    <p:spTree>
-      <p:nvGrpSpPr>
-        <p:cNvPr id="1" name=""/>
-        <p:cNvGrpSpPr/>
-        <p:nvPr/>
-      </p:nvGrpSpPr>
-      <p:grpSpPr>
-        <a:xfrm>
-          <a:off x="0" y="0"/>
-          <a:ext cx="0" cy="0"/>
-          <a:chOff x="0" y="0"/>
-          <a:chExt cx="0" cy="0"/>
-        </a:xfrm>
-      </p:grpSpPr>
-      <p:sp>
-        <p:nvSpPr>
-          <p:cNvPr id="2" name="Title 1">
-            <a:extLst>
-              <a:ext uri="{FF2B5EF4-FFF2-40B4-BE49-F238E27FC236}">
-                <a16:creationId xmlns:a16="http://schemas.microsoft.com/office/drawing/2014/main" id="{CFCCE377-B50C-4DA9-9853-FE9F59C9C798}"/>
-              </a:ext>
-            </a:extLst>
-          </p:cNvPr>
-          <p:cNvSpPr>
-            <a:spLocks noGrp="1"/>
-          </p:cNvSpPr>
-          <p:nvPr>
-            <p:ph type="title"/>
-          </p:nvPr>
-        </p:nvSpPr>
-        <p:spPr/>
-        <p:txBody>
-          <a:bodyPr/>
-          <a:lstStyle/>
-          <a:p>
-            <a:r>
-              <a:rPr lang="th-TH" dirty="0"/>
-              <a:t>ส่วนที่เพิ่มเติมจาก </a:t>
-            </a:r>
-            <a:r>
-              <a:rPr lang="en-US" dirty="0"/>
-              <a:t>Project </a:t>
-            </a:r>
-            <a:r>
-              <a:rPr lang="th-TH" dirty="0"/>
-              <a:t>ตั้งต้น (ถ้ามี)</a:t>
-            </a:r>
-            <a:endParaRPr lang="en-US" dirty="0"/>
-          </a:p>
-        </p:txBody>
-      </p:sp>
-      <p:sp>
-        <p:nvSpPr>
-          <p:cNvPr id="3" name="Content Placeholder 2">
-            <a:extLst>
-              <a:ext uri="{FF2B5EF4-FFF2-40B4-BE49-F238E27FC236}">
-                <a16:creationId xmlns:a16="http://schemas.microsoft.com/office/drawing/2014/main" id="{41F09DAC-ADA3-428C-833D-65C329A5466C}"/>
-              </a:ext>
-            </a:extLst>
-          </p:cNvPr>
-          <p:cNvSpPr>
-            <a:spLocks noGrp="1"/>
-          </p:cNvSpPr>
-          <p:nvPr>
-            <p:ph idx="1"/>
-          </p:nvPr>
-        </p:nvSpPr>
-        <p:spPr/>
-        <p:txBody>
-          <a:bodyPr/>
-          <a:lstStyle/>
-          <a:p>
-            <a:pPr marL="514350" indent="-514350">
-              <a:buFont typeface="+mj-lt"/>
-              <a:buAutoNum type="arabicPeriod"/>
-            </a:pPr>
-            <a:r>
-              <a:rPr lang="en-US" dirty="0"/>
-              <a:t>Feature </a:t>
-            </a:r>
-            <a:r>
-              <a:rPr lang="th-TH" dirty="0"/>
-              <a:t>ที่ </a:t>
-            </a:r>
-            <a:r>
-              <a:rPr lang="en-US" dirty="0"/>
-              <a:t>1</a:t>
-            </a:r>
-          </a:p>
-          <a:p>
-            <a:pPr marL="514350" indent="-514350">
-              <a:buFont typeface="+mj-lt"/>
-              <a:buAutoNum type="arabicPeriod"/>
-            </a:pPr>
-            <a:r>
-              <a:rPr lang="en-US" dirty="0"/>
-              <a:t>Feature </a:t>
-            </a:r>
-            <a:r>
-              <a:rPr lang="th-TH" dirty="0"/>
-              <a:t>ที่</a:t>
-            </a:r>
-            <a:r>
-              <a:rPr lang="en-US" dirty="0"/>
-              <a:t> 2</a:t>
-            </a:r>
-          </a:p>
-          <a:p>
-            <a:pPr marL="514350" indent="-514350">
-              <a:buFont typeface="+mj-lt"/>
-              <a:buAutoNum type="arabicPeriod"/>
-            </a:pPr>
-            <a:r>
-              <a:rPr lang="en-US" dirty="0"/>
-              <a:t>Feature </a:t>
-            </a:r>
-            <a:r>
-              <a:rPr lang="th-TH" dirty="0"/>
-              <a:t>ที่</a:t>
-            </a:r>
-            <a:r>
-              <a:rPr lang="en-US" dirty="0"/>
-              <a:t> 3</a:t>
-            </a:r>
-          </a:p>
-        </p:txBody>
-      </p:sp>
-    </p:spTree>
-    <p:extLst>
-      <p:ext uri="{BB962C8B-B14F-4D97-AF65-F5344CB8AC3E}">
-        <p14:creationId xmlns:p14="http://schemas.microsoft.com/office/powerpoint/2010/main" val="3889300871"/>
       </p:ext>
     </p:extLst>
   </p:cSld>
